--- a/Presentation1.pptx
+++ b/Presentation1.pptx
@@ -6872,7 +6872,7 @@
           <a:p>
             <a:fld id="{12FB94B1-C182-B241-B406-861F15458D35}" type="datetimeFigureOut">
               <a:rPr lang="en-CN" smtClean="0"/>
-              <a:t>2025/4/23</a:t>
+              <a:t>2025/4/29</a:t>
             </a:fld>
             <a:endParaRPr lang="en-CN"/>
           </a:p>
@@ -7072,7 +7072,7 @@
           <a:p>
             <a:fld id="{12FB94B1-C182-B241-B406-861F15458D35}" type="datetimeFigureOut">
               <a:rPr lang="en-CN" smtClean="0"/>
-              <a:t>2025/4/23</a:t>
+              <a:t>2025/4/29</a:t>
             </a:fld>
             <a:endParaRPr lang="en-CN"/>
           </a:p>
@@ -7282,7 +7282,7 @@
           <a:p>
             <a:fld id="{12FB94B1-C182-B241-B406-861F15458D35}" type="datetimeFigureOut">
               <a:rPr lang="en-CN" smtClean="0"/>
-              <a:t>2025/4/23</a:t>
+              <a:t>2025/4/29</a:t>
             </a:fld>
             <a:endParaRPr lang="en-CN"/>
           </a:p>
@@ -7482,7 +7482,7 @@
           <a:p>
             <a:fld id="{12FB94B1-C182-B241-B406-861F15458D35}" type="datetimeFigureOut">
               <a:rPr lang="en-CN" smtClean="0"/>
-              <a:t>2025/4/23</a:t>
+              <a:t>2025/4/29</a:t>
             </a:fld>
             <a:endParaRPr lang="en-CN"/>
           </a:p>
@@ -7758,7 +7758,7 @@
           <a:p>
             <a:fld id="{12FB94B1-C182-B241-B406-861F15458D35}" type="datetimeFigureOut">
               <a:rPr lang="en-CN" smtClean="0"/>
-              <a:t>2025/4/23</a:t>
+              <a:t>2025/4/29</a:t>
             </a:fld>
             <a:endParaRPr lang="en-CN"/>
           </a:p>
@@ -8026,7 +8026,7 @@
           <a:p>
             <a:fld id="{12FB94B1-C182-B241-B406-861F15458D35}" type="datetimeFigureOut">
               <a:rPr lang="en-CN" smtClean="0"/>
-              <a:t>2025/4/23</a:t>
+              <a:t>2025/4/29</a:t>
             </a:fld>
             <a:endParaRPr lang="en-CN"/>
           </a:p>
@@ -8441,7 +8441,7 @@
           <a:p>
             <a:fld id="{12FB94B1-C182-B241-B406-861F15458D35}" type="datetimeFigureOut">
               <a:rPr lang="en-CN" smtClean="0"/>
-              <a:t>2025/4/23</a:t>
+              <a:t>2025/4/29</a:t>
             </a:fld>
             <a:endParaRPr lang="en-CN"/>
           </a:p>
@@ -8583,7 +8583,7 @@
           <a:p>
             <a:fld id="{12FB94B1-C182-B241-B406-861F15458D35}" type="datetimeFigureOut">
               <a:rPr lang="en-CN" smtClean="0"/>
-              <a:t>2025/4/23</a:t>
+              <a:t>2025/4/29</a:t>
             </a:fld>
             <a:endParaRPr lang="en-CN"/>
           </a:p>
@@ -8696,7 +8696,7 @@
           <a:p>
             <a:fld id="{12FB94B1-C182-B241-B406-861F15458D35}" type="datetimeFigureOut">
               <a:rPr lang="en-CN" smtClean="0"/>
-              <a:t>2025/4/23</a:t>
+              <a:t>2025/4/29</a:t>
             </a:fld>
             <a:endParaRPr lang="en-CN"/>
           </a:p>
@@ -9009,7 +9009,7 @@
           <a:p>
             <a:fld id="{12FB94B1-C182-B241-B406-861F15458D35}" type="datetimeFigureOut">
               <a:rPr lang="en-CN" smtClean="0"/>
-              <a:t>2025/4/23</a:t>
+              <a:t>2025/4/29</a:t>
             </a:fld>
             <a:endParaRPr lang="en-CN"/>
           </a:p>
@@ -9298,7 +9298,7 @@
           <a:p>
             <a:fld id="{12FB94B1-C182-B241-B406-861F15458D35}" type="datetimeFigureOut">
               <a:rPr lang="en-CN" smtClean="0"/>
-              <a:t>2025/4/23</a:t>
+              <a:t>2025/4/29</a:t>
             </a:fld>
             <a:endParaRPr lang="en-CN"/>
           </a:p>
@@ -9541,7 +9541,7 @@
           <a:p>
             <a:fld id="{12FB94B1-C182-B241-B406-861F15458D35}" type="datetimeFigureOut">
               <a:rPr lang="en-CN" smtClean="0"/>
-              <a:t>2025/4/23</a:t>
+              <a:t>2025/4/29</a:t>
             </a:fld>
             <a:endParaRPr lang="en-CN"/>
           </a:p>
